--- a/presentation-azuredev.pptx
+++ b/presentation-azuredev.pptx
@@ -3820,9 +3820,7 @@
             <a:r>
               <a:rPr lang="en-US" b="1" dirty="0">
                 <a:solidFill>
-                  <a:schemeClr val="accent4">
-                    <a:lumMod val="75000"/>
-                  </a:schemeClr>
+                  <a:srgbClr val="7030A0"/>
                 </a:solidFill>
               </a:rPr>
               <a:t>Students require guidance on the various questions that they have in their career. The internet is having lots of information, but a curated question and answer system is not available.</a:t>
@@ -3841,8 +3839,16 @@
               <a:buChar char="•"/>
             </a:pPr>
             <a:r>
+              <a:rPr lang="en-US" b="1" dirty="0">
+                <a:solidFill>
+                  <a:srgbClr val="7030A0"/>
+                </a:solidFill>
+              </a:rPr>
+              <a:t>A question and answer recommender system </a:t>
+            </a:r>
+            <a:r>
               <a:rPr lang="en-US" dirty="0"/>
-              <a:t>A question and answer recommender system is developed using Machine Learning and Natural Language processing techniques. The workflow will be as follows:</a:t>
+              <a:t>is developed using Machine Learning and Natural Language processing techniques. The workflow will be as follows:</a:t>
             </a:r>
           </a:p>
           <a:p>
@@ -3940,9 +3946,21 @@
             </a:pPr>
             <a:r>
               <a:rPr lang="en-US" dirty="0"/>
-              <a:t>We will make the user interface in Streamlit and deploy in Azure Containers /Azure Kubernetes Service</a:t>
-            </a:r>
-            <a:endParaRPr lang="en-IN" dirty="0"/>
+              <a:t>We will make the user interface in Streamlit and </a:t>
+            </a:r>
+            <a:r>
+              <a:rPr lang="en-US" b="1" u="sng" dirty="0">
+                <a:solidFill>
+                  <a:srgbClr val="7030A0"/>
+                </a:solidFill>
+              </a:rPr>
+              <a:t>deploy in Azure Containers /Azure Kubernetes Service</a:t>
+            </a:r>
+            <a:endParaRPr lang="en-IN" b="1" u="sng" dirty="0">
+              <a:solidFill>
+                <a:srgbClr val="7030A0"/>
+              </a:solidFill>
+            </a:endParaRPr>
           </a:p>
         </p:txBody>
       </p:sp>

--- a/presentation-azuredev.pptx
+++ b/presentation-azuredev.pptx
@@ -5,11 +5,12 @@
     <p:sldMasterId id="2147483648" r:id="rId1"/>
   </p:sldMasterIdLst>
   <p:notesMasterIdLst>
-    <p:notesMasterId r:id="rId4"/>
+    <p:notesMasterId r:id="rId5"/>
   </p:notesMasterIdLst>
   <p:sldIdLst>
-    <p:sldId id="263" r:id="rId2"/>
-    <p:sldId id="262" r:id="rId3"/>
+    <p:sldId id="264" r:id="rId2"/>
+    <p:sldId id="263" r:id="rId3"/>
+    <p:sldId id="262" r:id="rId4"/>
   </p:sldIdLst>
   <p:sldSz cx="12192000" cy="6858000"/>
   <p:notesSz cx="6858000" cy="9144000"/>
@@ -531,7 +532,7 @@
           <a:p>
             <a:fld id="{23E4DA3D-A694-43B6-BB95-701D1AFE18E0}" type="slidenum">
               <a:rPr lang="en-IN" smtClean="0"/>
-              <a:t>2</a:t>
+              <a:t>3</a:t>
             </a:fld>
             <a:endParaRPr lang="en-IN"/>
           </a:p>
@@ -3771,6 +3772,14 @@
 <file path=ppt/slides/slide1.xml><?xml version="1.0" encoding="utf-8"?>
 <p:sld xmlns:a="http://schemas.openxmlformats.org/drawingml/2006/main" xmlns:r="http://schemas.openxmlformats.org/officeDocument/2006/relationships" xmlns:p="http://schemas.openxmlformats.org/presentationml/2006/main">
   <p:cSld>
+    <p:bg>
+      <p:bgPr>
+        <a:solidFill>
+          <a:srgbClr val="7030A0"/>
+        </a:solidFill>
+        <a:effectLst/>
+      </p:bgPr>
+    </p:bg>
     <p:spTree>
       <p:nvGrpSpPr>
         <p:cNvPr id="1" name=""/>
@@ -3790,6 +3799,81 @@
           <p:cNvPr id="4" name="TextBox 3">
             <a:extLst>
               <a:ext uri="{FF2B5EF4-FFF2-40B4-BE49-F238E27FC236}">
+                <a16:creationId xmlns:a16="http://schemas.microsoft.com/office/drawing/2014/main" id="{F681F11B-30D5-49BF-838D-731185184B72}"/>
+              </a:ext>
+            </a:extLst>
+          </p:cNvPr>
+          <p:cNvSpPr txBox="1"/>
+          <p:nvPr/>
+        </p:nvSpPr>
+        <p:spPr>
+          <a:xfrm>
+            <a:off x="0" y="1702340"/>
+            <a:ext cx="12192000" cy="1754326"/>
+          </a:xfrm>
+          <a:prstGeom prst="rect">
+            <a:avLst/>
+          </a:prstGeom>
+          <a:noFill/>
+        </p:spPr>
+        <p:txBody>
+          <a:bodyPr wrap="square" rtlCol="0">
+            <a:spAutoFit/>
+          </a:bodyPr>
+          <a:lstStyle/>
+          <a:p>
+            <a:pPr algn="ctr"/>
+            <a:r>
+              <a:rPr lang="en-US" sz="5400" dirty="0">
+                <a:solidFill>
+                  <a:schemeClr val="bg1"/>
+                </a:solidFill>
+              </a:rPr>
+              <a:t>Question Answer Recommendation system using TFIDF and Spacy</a:t>
+            </a:r>
+            <a:endParaRPr lang="en-IN" sz="5400" dirty="0">
+              <a:solidFill>
+                <a:schemeClr val="bg1"/>
+              </a:solidFill>
+            </a:endParaRPr>
+          </a:p>
+        </p:txBody>
+      </p:sp>
+    </p:spTree>
+    <p:extLst>
+      <p:ext uri="{BB962C8B-B14F-4D97-AF65-F5344CB8AC3E}">
+        <p14:creationId xmlns:p14="http://schemas.microsoft.com/office/powerpoint/2010/main" val="1722861319"/>
+      </p:ext>
+    </p:extLst>
+  </p:cSld>
+  <p:clrMapOvr>
+    <a:masterClrMapping/>
+  </p:clrMapOvr>
+</p:sld>
+</file>
+
+<file path=ppt/slides/slide2.xml><?xml version="1.0" encoding="utf-8"?>
+<p:sld xmlns:a="http://schemas.openxmlformats.org/drawingml/2006/main" xmlns:r="http://schemas.openxmlformats.org/officeDocument/2006/relationships" xmlns:p="http://schemas.openxmlformats.org/presentationml/2006/main">
+  <p:cSld>
+    <p:spTree>
+      <p:nvGrpSpPr>
+        <p:cNvPr id="1" name=""/>
+        <p:cNvGrpSpPr/>
+        <p:nvPr/>
+      </p:nvGrpSpPr>
+      <p:grpSpPr>
+        <a:xfrm>
+          <a:off x="0" y="0"/>
+          <a:ext cx="0" cy="0"/>
+          <a:chOff x="0" y="0"/>
+          <a:chExt cx="0" cy="0"/>
+        </a:xfrm>
+      </p:grpSpPr>
+      <p:sp>
+        <p:nvSpPr>
+          <p:cNvPr id="4" name="TextBox 3">
+            <a:extLst>
+              <a:ext uri="{FF2B5EF4-FFF2-40B4-BE49-F238E27FC236}">
                 <a16:creationId xmlns:a16="http://schemas.microsoft.com/office/drawing/2014/main" id="{9DF2CF9D-D1DE-49C6-820D-1C4F218E4330}"/>
               </a:ext>
             </a:extLst>
@@ -3977,7 +4061,7 @@
 </p:sld>
 </file>
 
-<file path=ppt/slides/slide2.xml><?xml version="1.0" encoding="utf-8"?>
+<file path=ppt/slides/slide3.xml><?xml version="1.0" encoding="utf-8"?>
 <p:sld xmlns:a="http://schemas.openxmlformats.org/drawingml/2006/main" xmlns:r="http://schemas.openxmlformats.org/officeDocument/2006/relationships" xmlns:p="http://schemas.openxmlformats.org/presentationml/2006/main">
   <p:cSld>
     <p:spTree>
